--- a/Feria_Website_09172018.pptx
+++ b/Feria_Website_09172018.pptx
@@ -104,6 +104,11 @@
       </a:defRPr>
     </a:lvl9pPr>
   </p:defaultTextStyle>
+  <p:extLst>
+    <p:ext uri="{EFAFB233-063F-42B5-8137-9DF3F51BA10A}">
+      <p15:sldGuideLst xmlns:p15="http://schemas.microsoft.com/office/powerpoint/2012/main"/>
+    </p:ext>
+  </p:extLst>
 </p:presentation>
 </file>
 
@@ -149,10 +154,9 @@
           </a:lstStyle>
           <a:p>
             <a:r>
-              <a:rPr lang="en-US" smtClean="0"/>
+              <a:rPr lang="en-US"/>
               <a:t>Click to edit Master title style</a:t>
             </a:r>
-            <a:endParaRPr lang="en-US"/>
           </a:p>
         </p:txBody>
       </p:sp>
@@ -214,10 +218,9 @@
           </a:lstStyle>
           <a:p>
             <a:r>
-              <a:rPr lang="en-US" smtClean="0"/>
+              <a:rPr lang="en-US"/>
               <a:t>Click to edit Master subtitle style</a:t>
             </a:r>
-            <a:endParaRPr lang="en-US"/>
           </a:p>
         </p:txBody>
       </p:sp>
@@ -238,7 +241,7 @@
           <a:p>
             <a:fld id="{92B8B096-122A-44F8-9DBB-5B57A2B3C9AB}" type="datetimeFigureOut">
               <a:rPr lang="en-US" smtClean="0"/>
-              <a:t>9/17/2018</a:t>
+              <a:t>1/15/19</a:t>
             </a:fld>
             <a:endParaRPr lang="en-US"/>
           </a:p>
@@ -332,10 +335,9 @@
           <a:lstStyle/>
           <a:p>
             <a:r>
-              <a:rPr lang="en-US" smtClean="0"/>
+              <a:rPr lang="en-US"/>
               <a:t>Click to edit Master title style</a:t>
             </a:r>
-            <a:endParaRPr lang="en-US"/>
           </a:p>
         </p:txBody>
       </p:sp>
@@ -356,38 +358,37 @@
           <a:p>
             <a:pPr lvl="0"/>
             <a:r>
-              <a:rPr lang="en-US" smtClean="0"/>
+              <a:rPr lang="en-US"/>
               <a:t>Click to edit Master text styles</a:t>
             </a:r>
           </a:p>
           <a:p>
             <a:pPr lvl="1"/>
             <a:r>
-              <a:rPr lang="en-US" smtClean="0"/>
+              <a:rPr lang="en-US"/>
               <a:t>Second level</a:t>
             </a:r>
           </a:p>
           <a:p>
             <a:pPr lvl="2"/>
             <a:r>
-              <a:rPr lang="en-US" smtClean="0"/>
+              <a:rPr lang="en-US"/>
               <a:t>Third level</a:t>
             </a:r>
           </a:p>
           <a:p>
             <a:pPr lvl="3"/>
             <a:r>
-              <a:rPr lang="en-US" smtClean="0"/>
+              <a:rPr lang="en-US"/>
               <a:t>Fourth level</a:t>
             </a:r>
           </a:p>
           <a:p>
             <a:pPr lvl="4"/>
             <a:r>
-              <a:rPr lang="en-US" smtClean="0"/>
+              <a:rPr lang="en-US"/>
               <a:t>Fifth level</a:t>
             </a:r>
-            <a:endParaRPr lang="en-US"/>
           </a:p>
         </p:txBody>
       </p:sp>
@@ -408,7 +409,7 @@
           <a:p>
             <a:fld id="{92B8B096-122A-44F8-9DBB-5B57A2B3C9AB}" type="datetimeFigureOut">
               <a:rPr lang="en-US" smtClean="0"/>
-              <a:t>9/17/2018</a:t>
+              <a:t>1/15/19</a:t>
             </a:fld>
             <a:endParaRPr lang="en-US"/>
           </a:p>
@@ -507,10 +508,9 @@
           <a:lstStyle/>
           <a:p>
             <a:r>
-              <a:rPr lang="en-US" smtClean="0"/>
+              <a:rPr lang="en-US"/>
               <a:t>Click to edit Master title style</a:t>
             </a:r>
-            <a:endParaRPr lang="en-US"/>
           </a:p>
         </p:txBody>
       </p:sp>
@@ -536,38 +536,37 @@
           <a:p>
             <a:pPr lvl="0"/>
             <a:r>
-              <a:rPr lang="en-US" smtClean="0"/>
+              <a:rPr lang="en-US"/>
               <a:t>Click to edit Master text styles</a:t>
             </a:r>
           </a:p>
           <a:p>
             <a:pPr lvl="1"/>
             <a:r>
-              <a:rPr lang="en-US" smtClean="0"/>
+              <a:rPr lang="en-US"/>
               <a:t>Second level</a:t>
             </a:r>
           </a:p>
           <a:p>
             <a:pPr lvl="2"/>
             <a:r>
-              <a:rPr lang="en-US" smtClean="0"/>
+              <a:rPr lang="en-US"/>
               <a:t>Third level</a:t>
             </a:r>
           </a:p>
           <a:p>
             <a:pPr lvl="3"/>
             <a:r>
-              <a:rPr lang="en-US" smtClean="0"/>
+              <a:rPr lang="en-US"/>
               <a:t>Fourth level</a:t>
             </a:r>
           </a:p>
           <a:p>
             <a:pPr lvl="4"/>
             <a:r>
-              <a:rPr lang="en-US" smtClean="0"/>
+              <a:rPr lang="en-US"/>
               <a:t>Fifth level</a:t>
             </a:r>
-            <a:endParaRPr lang="en-US"/>
           </a:p>
         </p:txBody>
       </p:sp>
@@ -588,7 +587,7 @@
           <a:p>
             <a:fld id="{92B8B096-122A-44F8-9DBB-5B57A2B3C9AB}" type="datetimeFigureOut">
               <a:rPr lang="en-US" smtClean="0"/>
-              <a:t>9/17/2018</a:t>
+              <a:t>1/15/19</a:t>
             </a:fld>
             <a:endParaRPr lang="en-US"/>
           </a:p>
@@ -682,10 +681,9 @@
           <a:lstStyle/>
           <a:p>
             <a:r>
-              <a:rPr lang="en-US" smtClean="0"/>
+              <a:rPr lang="en-US"/>
               <a:t>Click to edit Master title style</a:t>
             </a:r>
-            <a:endParaRPr lang="en-US"/>
           </a:p>
         </p:txBody>
       </p:sp>
@@ -706,38 +704,37 @@
           <a:p>
             <a:pPr lvl="0"/>
             <a:r>
-              <a:rPr lang="en-US" smtClean="0"/>
+              <a:rPr lang="en-US"/>
               <a:t>Click to edit Master text styles</a:t>
             </a:r>
           </a:p>
           <a:p>
             <a:pPr lvl="1"/>
             <a:r>
-              <a:rPr lang="en-US" smtClean="0"/>
+              <a:rPr lang="en-US"/>
               <a:t>Second level</a:t>
             </a:r>
           </a:p>
           <a:p>
             <a:pPr lvl="2"/>
             <a:r>
-              <a:rPr lang="en-US" smtClean="0"/>
+              <a:rPr lang="en-US"/>
               <a:t>Third level</a:t>
             </a:r>
           </a:p>
           <a:p>
             <a:pPr lvl="3"/>
             <a:r>
-              <a:rPr lang="en-US" smtClean="0"/>
+              <a:rPr lang="en-US"/>
               <a:t>Fourth level</a:t>
             </a:r>
           </a:p>
           <a:p>
             <a:pPr lvl="4"/>
             <a:r>
-              <a:rPr lang="en-US" smtClean="0"/>
+              <a:rPr lang="en-US"/>
               <a:t>Fifth level</a:t>
             </a:r>
-            <a:endParaRPr lang="en-US"/>
           </a:p>
         </p:txBody>
       </p:sp>
@@ -758,7 +755,7 @@
           <a:p>
             <a:fld id="{92B8B096-122A-44F8-9DBB-5B57A2B3C9AB}" type="datetimeFigureOut">
               <a:rPr lang="en-US" smtClean="0"/>
-              <a:t>9/17/2018</a:t>
+              <a:t>1/15/19</a:t>
             </a:fld>
             <a:endParaRPr lang="en-US"/>
           </a:p>
@@ -861,10 +858,9 @@
           </a:lstStyle>
           <a:p>
             <a:r>
-              <a:rPr lang="en-US" smtClean="0"/>
+              <a:rPr lang="en-US"/>
               <a:t>Click to edit Master title style</a:t>
             </a:r>
-            <a:endParaRPr lang="en-US"/>
           </a:p>
         </p:txBody>
       </p:sp>
@@ -981,7 +977,7 @@
           <a:p>
             <a:pPr lvl="0"/>
             <a:r>
-              <a:rPr lang="en-US" smtClean="0"/>
+              <a:rPr lang="en-US"/>
               <a:t>Click to edit Master text styles</a:t>
             </a:r>
           </a:p>
@@ -1004,7 +1000,7 @@
           <a:p>
             <a:fld id="{92B8B096-122A-44F8-9DBB-5B57A2B3C9AB}" type="datetimeFigureOut">
               <a:rPr lang="en-US" smtClean="0"/>
-              <a:t>9/17/2018</a:t>
+              <a:t>1/15/19</a:t>
             </a:fld>
             <a:endParaRPr lang="en-US"/>
           </a:p>
@@ -1098,10 +1094,9 @@
           <a:lstStyle/>
           <a:p>
             <a:r>
-              <a:rPr lang="en-US" smtClean="0"/>
+              <a:rPr lang="en-US"/>
               <a:t>Click to edit Master title style</a:t>
             </a:r>
-            <a:endParaRPr lang="en-US"/>
           </a:p>
         </p:txBody>
       </p:sp>
@@ -1127,38 +1122,37 @@
           <a:p>
             <a:pPr lvl="0"/>
             <a:r>
-              <a:rPr lang="en-US" smtClean="0"/>
+              <a:rPr lang="en-US"/>
               <a:t>Click to edit Master text styles</a:t>
             </a:r>
           </a:p>
           <a:p>
             <a:pPr lvl="1"/>
             <a:r>
-              <a:rPr lang="en-US" smtClean="0"/>
+              <a:rPr lang="en-US"/>
               <a:t>Second level</a:t>
             </a:r>
           </a:p>
           <a:p>
             <a:pPr lvl="2"/>
             <a:r>
-              <a:rPr lang="en-US" smtClean="0"/>
+              <a:rPr lang="en-US"/>
               <a:t>Third level</a:t>
             </a:r>
           </a:p>
           <a:p>
             <a:pPr lvl="3"/>
             <a:r>
-              <a:rPr lang="en-US" smtClean="0"/>
+              <a:rPr lang="en-US"/>
               <a:t>Fourth level</a:t>
             </a:r>
           </a:p>
           <a:p>
             <a:pPr lvl="4"/>
             <a:r>
-              <a:rPr lang="en-US" smtClean="0"/>
+              <a:rPr lang="en-US"/>
               <a:t>Fifth level</a:t>
             </a:r>
-            <a:endParaRPr lang="en-US"/>
           </a:p>
         </p:txBody>
       </p:sp>
@@ -1184,38 +1178,37 @@
           <a:p>
             <a:pPr lvl="0"/>
             <a:r>
-              <a:rPr lang="en-US" smtClean="0"/>
+              <a:rPr lang="en-US"/>
               <a:t>Click to edit Master text styles</a:t>
             </a:r>
           </a:p>
           <a:p>
             <a:pPr lvl="1"/>
             <a:r>
-              <a:rPr lang="en-US" smtClean="0"/>
+              <a:rPr lang="en-US"/>
               <a:t>Second level</a:t>
             </a:r>
           </a:p>
           <a:p>
             <a:pPr lvl="2"/>
             <a:r>
-              <a:rPr lang="en-US" smtClean="0"/>
+              <a:rPr lang="en-US"/>
               <a:t>Third level</a:t>
             </a:r>
           </a:p>
           <a:p>
             <a:pPr lvl="3"/>
             <a:r>
-              <a:rPr lang="en-US" smtClean="0"/>
+              <a:rPr lang="en-US"/>
               <a:t>Fourth level</a:t>
             </a:r>
           </a:p>
           <a:p>
             <a:pPr lvl="4"/>
             <a:r>
-              <a:rPr lang="en-US" smtClean="0"/>
+              <a:rPr lang="en-US"/>
               <a:t>Fifth level</a:t>
             </a:r>
-            <a:endParaRPr lang="en-US"/>
           </a:p>
         </p:txBody>
       </p:sp>
@@ -1236,7 +1229,7 @@
           <a:p>
             <a:fld id="{92B8B096-122A-44F8-9DBB-5B57A2B3C9AB}" type="datetimeFigureOut">
               <a:rPr lang="en-US" smtClean="0"/>
-              <a:t>9/17/2018</a:t>
+              <a:t>1/15/19</a:t>
             </a:fld>
             <a:endParaRPr lang="en-US"/>
           </a:p>
@@ -1335,10 +1328,9 @@
           <a:lstStyle/>
           <a:p>
             <a:r>
-              <a:rPr lang="en-US" smtClean="0"/>
+              <a:rPr lang="en-US"/>
               <a:t>Click to edit Master title style</a:t>
             </a:r>
-            <a:endParaRPr lang="en-US"/>
           </a:p>
         </p:txBody>
       </p:sp>
@@ -1401,7 +1393,7 @@
           <a:p>
             <a:pPr lvl="0"/>
             <a:r>
-              <a:rPr lang="en-US" smtClean="0"/>
+              <a:rPr lang="en-US"/>
               <a:t>Click to edit Master text styles</a:t>
             </a:r>
           </a:p>
@@ -1429,38 +1421,37 @@
           <a:p>
             <a:pPr lvl="0"/>
             <a:r>
-              <a:rPr lang="en-US" smtClean="0"/>
+              <a:rPr lang="en-US"/>
               <a:t>Click to edit Master text styles</a:t>
             </a:r>
           </a:p>
           <a:p>
             <a:pPr lvl="1"/>
             <a:r>
-              <a:rPr lang="en-US" smtClean="0"/>
+              <a:rPr lang="en-US"/>
               <a:t>Second level</a:t>
             </a:r>
           </a:p>
           <a:p>
             <a:pPr lvl="2"/>
             <a:r>
-              <a:rPr lang="en-US" smtClean="0"/>
+              <a:rPr lang="en-US"/>
               <a:t>Third level</a:t>
             </a:r>
           </a:p>
           <a:p>
             <a:pPr lvl="3"/>
             <a:r>
-              <a:rPr lang="en-US" smtClean="0"/>
+              <a:rPr lang="en-US"/>
               <a:t>Fourth level</a:t>
             </a:r>
           </a:p>
           <a:p>
             <a:pPr lvl="4"/>
             <a:r>
-              <a:rPr lang="en-US" smtClean="0"/>
+              <a:rPr lang="en-US"/>
               <a:t>Fifth level</a:t>
             </a:r>
-            <a:endParaRPr lang="en-US"/>
           </a:p>
         </p:txBody>
       </p:sp>
@@ -1523,7 +1514,7 @@
           <a:p>
             <a:pPr lvl="0"/>
             <a:r>
-              <a:rPr lang="en-US" smtClean="0"/>
+              <a:rPr lang="en-US"/>
               <a:t>Click to edit Master text styles</a:t>
             </a:r>
           </a:p>
@@ -1551,38 +1542,37 @@
           <a:p>
             <a:pPr lvl="0"/>
             <a:r>
-              <a:rPr lang="en-US" smtClean="0"/>
+              <a:rPr lang="en-US"/>
               <a:t>Click to edit Master text styles</a:t>
             </a:r>
           </a:p>
           <a:p>
             <a:pPr lvl="1"/>
             <a:r>
-              <a:rPr lang="en-US" smtClean="0"/>
+              <a:rPr lang="en-US"/>
               <a:t>Second level</a:t>
             </a:r>
           </a:p>
           <a:p>
             <a:pPr lvl="2"/>
             <a:r>
-              <a:rPr lang="en-US" smtClean="0"/>
+              <a:rPr lang="en-US"/>
               <a:t>Third level</a:t>
             </a:r>
           </a:p>
           <a:p>
             <a:pPr lvl="3"/>
             <a:r>
-              <a:rPr lang="en-US" smtClean="0"/>
+              <a:rPr lang="en-US"/>
               <a:t>Fourth level</a:t>
             </a:r>
           </a:p>
           <a:p>
             <a:pPr lvl="4"/>
             <a:r>
-              <a:rPr lang="en-US" smtClean="0"/>
+              <a:rPr lang="en-US"/>
               <a:t>Fifth level</a:t>
             </a:r>
-            <a:endParaRPr lang="en-US"/>
           </a:p>
         </p:txBody>
       </p:sp>
@@ -1603,7 +1593,7 @@
           <a:p>
             <a:fld id="{92B8B096-122A-44F8-9DBB-5B57A2B3C9AB}" type="datetimeFigureOut">
               <a:rPr lang="en-US" smtClean="0"/>
-              <a:t>9/17/2018</a:t>
+              <a:t>1/15/19</a:t>
             </a:fld>
             <a:endParaRPr lang="en-US"/>
           </a:p>
@@ -1697,10 +1687,9 @@
           <a:lstStyle/>
           <a:p>
             <a:r>
-              <a:rPr lang="en-US" smtClean="0"/>
+              <a:rPr lang="en-US"/>
               <a:t>Click to edit Master title style</a:t>
             </a:r>
-            <a:endParaRPr lang="en-US"/>
           </a:p>
         </p:txBody>
       </p:sp>
@@ -1721,7 +1710,7 @@
           <a:p>
             <a:fld id="{92B8B096-122A-44F8-9DBB-5B57A2B3C9AB}" type="datetimeFigureOut">
               <a:rPr lang="en-US" smtClean="0"/>
-              <a:t>9/17/2018</a:t>
+              <a:t>1/15/19</a:t>
             </a:fld>
             <a:endParaRPr lang="en-US"/>
           </a:p>
@@ -1816,7 +1805,7 @@
           <a:p>
             <a:fld id="{92B8B096-122A-44F8-9DBB-5B57A2B3C9AB}" type="datetimeFigureOut">
               <a:rPr lang="en-US" smtClean="0"/>
-              <a:t>9/17/2018</a:t>
+              <a:t>1/15/19</a:t>
             </a:fld>
             <a:endParaRPr lang="en-US"/>
           </a:p>
@@ -1919,10 +1908,9 @@
           </a:lstStyle>
           <a:p>
             <a:r>
-              <a:rPr lang="en-US" smtClean="0"/>
+              <a:rPr lang="en-US"/>
               <a:t>Click to edit Master title style</a:t>
             </a:r>
-            <a:endParaRPr lang="en-US"/>
           </a:p>
         </p:txBody>
       </p:sp>
@@ -1976,38 +1964,37 @@
           <a:p>
             <a:pPr lvl="0"/>
             <a:r>
-              <a:rPr lang="en-US" smtClean="0"/>
+              <a:rPr lang="en-US"/>
               <a:t>Click to edit Master text styles</a:t>
             </a:r>
           </a:p>
           <a:p>
             <a:pPr lvl="1"/>
             <a:r>
-              <a:rPr lang="en-US" smtClean="0"/>
+              <a:rPr lang="en-US"/>
               <a:t>Second level</a:t>
             </a:r>
           </a:p>
           <a:p>
             <a:pPr lvl="2"/>
             <a:r>
-              <a:rPr lang="en-US" smtClean="0"/>
+              <a:rPr lang="en-US"/>
               <a:t>Third level</a:t>
             </a:r>
           </a:p>
           <a:p>
             <a:pPr lvl="3"/>
             <a:r>
-              <a:rPr lang="en-US" smtClean="0"/>
+              <a:rPr lang="en-US"/>
               <a:t>Fourth level</a:t>
             </a:r>
           </a:p>
           <a:p>
             <a:pPr lvl="4"/>
             <a:r>
-              <a:rPr lang="en-US" smtClean="0"/>
+              <a:rPr lang="en-US"/>
               <a:t>Fifth level</a:t>
             </a:r>
-            <a:endParaRPr lang="en-US"/>
           </a:p>
         </p:txBody>
       </p:sp>
@@ -2070,7 +2057,7 @@
           <a:p>
             <a:pPr lvl="0"/>
             <a:r>
-              <a:rPr lang="en-US" smtClean="0"/>
+              <a:rPr lang="en-US"/>
               <a:t>Click to edit Master text styles</a:t>
             </a:r>
           </a:p>
@@ -2093,7 +2080,7 @@
           <a:p>
             <a:fld id="{92B8B096-122A-44F8-9DBB-5B57A2B3C9AB}" type="datetimeFigureOut">
               <a:rPr lang="en-US" smtClean="0"/>
-              <a:t>9/17/2018</a:t>
+              <a:t>1/15/19</a:t>
             </a:fld>
             <a:endParaRPr lang="en-US"/>
           </a:p>
@@ -2196,10 +2183,9 @@
           </a:lstStyle>
           <a:p>
             <a:r>
-              <a:rPr lang="en-US" smtClean="0"/>
+              <a:rPr lang="en-US"/>
               <a:t>Click to edit Master title style</a:t>
             </a:r>
-            <a:endParaRPr lang="en-US"/>
           </a:p>
         </p:txBody>
       </p:sp>
@@ -2323,7 +2309,7 @@
           <a:p>
             <a:pPr lvl="0"/>
             <a:r>
-              <a:rPr lang="en-US" smtClean="0"/>
+              <a:rPr lang="en-US"/>
               <a:t>Click to edit Master text styles</a:t>
             </a:r>
           </a:p>
@@ -2346,7 +2332,7 @@
           <a:p>
             <a:fld id="{92B8B096-122A-44F8-9DBB-5B57A2B3C9AB}" type="datetimeFigureOut">
               <a:rPr lang="en-US" smtClean="0"/>
-              <a:t>9/17/2018</a:t>
+              <a:t>1/15/19</a:t>
             </a:fld>
             <a:endParaRPr lang="en-US"/>
           </a:p>
@@ -2455,10 +2441,9 @@
           <a:lstStyle/>
           <a:p>
             <a:r>
-              <a:rPr lang="en-US" smtClean="0"/>
+              <a:rPr lang="en-US"/>
               <a:t>Click to edit Master title style</a:t>
             </a:r>
-            <a:endParaRPr lang="en-US"/>
           </a:p>
         </p:txBody>
       </p:sp>
@@ -2489,38 +2474,37 @@
           <a:p>
             <a:pPr lvl="0"/>
             <a:r>
-              <a:rPr lang="en-US" smtClean="0"/>
+              <a:rPr lang="en-US"/>
               <a:t>Click to edit Master text styles</a:t>
             </a:r>
           </a:p>
           <a:p>
             <a:pPr lvl="1"/>
             <a:r>
-              <a:rPr lang="en-US" smtClean="0"/>
+              <a:rPr lang="en-US"/>
               <a:t>Second level</a:t>
             </a:r>
           </a:p>
           <a:p>
             <a:pPr lvl="2"/>
             <a:r>
-              <a:rPr lang="en-US" smtClean="0"/>
+              <a:rPr lang="en-US"/>
               <a:t>Third level</a:t>
             </a:r>
           </a:p>
           <a:p>
             <a:pPr lvl="3"/>
             <a:r>
-              <a:rPr lang="en-US" smtClean="0"/>
+              <a:rPr lang="en-US"/>
               <a:t>Fourth level</a:t>
             </a:r>
           </a:p>
           <a:p>
             <a:pPr lvl="4"/>
             <a:r>
-              <a:rPr lang="en-US" smtClean="0"/>
+              <a:rPr lang="en-US"/>
               <a:t>Fifth level</a:t>
             </a:r>
-            <a:endParaRPr lang="en-US"/>
           </a:p>
         </p:txBody>
       </p:sp>
@@ -2559,7 +2543,7 @@
           <a:p>
             <a:fld id="{92B8B096-122A-44F8-9DBB-5B57A2B3C9AB}" type="datetimeFigureOut">
               <a:rPr lang="en-US" smtClean="0"/>
-              <a:t>9/17/2018</a:t>
+              <a:t>1/15/19</a:t>
             </a:fld>
             <a:endParaRPr lang="en-US"/>
           </a:p>
@@ -2964,219 +2948,240 @@
           <a:chExt cx="0" cy="0"/>
         </a:xfrm>
       </p:grpSpPr>
-      <p:pic>
-        <p:nvPicPr>
-          <p:cNvPr id="2" name="Picture 1" descr="C:\Users\Feria\Pictures\000000000000000.png"/>
-          <p:cNvPicPr/>
-          <p:nvPr/>
-        </p:nvPicPr>
-        <p:blipFill>
-          <a:blip r:embed="rId2" cstate="print">
+      <p:grpSp>
+        <p:nvGrpSpPr>
+          <p:cNvPr id="9" name="Group 8">
             <a:extLst>
-              <a:ext uri="{28A0092B-C50C-407E-A947-70E740481C1C}">
-                <a14:useLocalDpi xmlns:a14="http://schemas.microsoft.com/office/drawing/2010/main" val="0"/>
+              <a:ext uri="{FF2B5EF4-FFF2-40B4-BE49-F238E27FC236}">
+                <a16:creationId xmlns:a16="http://schemas.microsoft.com/office/drawing/2014/main" id="{503AA8EB-5E9B-1740-9AD9-4D989360D1EE}"/>
               </a:ext>
             </a:extLst>
-          </a:blip>
-          <a:srcRect/>
-          <a:stretch>
-            <a:fillRect/>
-          </a:stretch>
-        </p:blipFill>
-        <p:spPr bwMode="auto">
+          </p:cNvPr>
+          <p:cNvGrpSpPr/>
+          <p:nvPr/>
+        </p:nvGrpSpPr>
+        <p:grpSpPr>
           <a:xfrm>
-            <a:off x="1681843" y="1020537"/>
-            <a:ext cx="7690757" cy="3918856"/>
+            <a:off x="2156481" y="1231901"/>
+            <a:ext cx="7508220" cy="4359182"/>
+            <a:chOff x="1587702" y="1020537"/>
+            <a:chExt cx="7879039" cy="4324165"/>
           </a:xfrm>
-          <a:prstGeom prst="rect">
-            <a:avLst/>
-          </a:prstGeom>
-          <a:noFill/>
-          <a:ln>
+        </p:grpSpPr>
+        <p:pic>
+          <p:nvPicPr>
+            <p:cNvPr id="2" name="Picture 1" descr="C:\Users\Feria\Pictures\000000000000000.png"/>
+            <p:cNvPicPr/>
+            <p:nvPr/>
+          </p:nvPicPr>
+          <p:blipFill>
+            <a:blip r:embed="rId2" cstate="print">
+              <a:extLst>
+                <a:ext uri="{28A0092B-C50C-407E-A947-70E740481C1C}">
+                  <a14:useLocalDpi xmlns:a14="http://schemas.microsoft.com/office/drawing/2010/main" val="0"/>
+                </a:ext>
+              </a:extLst>
+            </a:blip>
+            <a:srcRect/>
+            <a:stretch>
+              <a:fillRect/>
+            </a:stretch>
+          </p:blipFill>
+          <p:spPr bwMode="auto">
+            <a:xfrm>
+              <a:off x="1681843" y="1020537"/>
+              <a:ext cx="7690757" cy="3918856"/>
+            </a:xfrm>
+            <a:prstGeom prst="rect">
+              <a:avLst/>
+            </a:prstGeom>
             <a:noFill/>
-          </a:ln>
-        </p:spPr>
-      </p:pic>
-      <p:pic>
-        <p:nvPicPr>
-          <p:cNvPr id="4" name="Picture 3"/>
-          <p:cNvPicPr>
-            <a:picLocks noChangeAspect="1"/>
-          </p:cNvPicPr>
-          <p:nvPr/>
-        </p:nvPicPr>
-        <p:blipFill>
-          <a:blip r:embed="rId3" cstate="print">
-            <a:extLst>
-              <a:ext uri="{28A0092B-C50C-407E-A947-70E740481C1C}">
-                <a14:useLocalDpi xmlns:a14="http://schemas.microsoft.com/office/drawing/2010/main" val="0"/>
-              </a:ext>
-            </a:extLst>
-          </a:blip>
-          <a:stretch>
-            <a:fillRect/>
-          </a:stretch>
-        </p:blipFill>
-        <p:spPr>
-          <a:xfrm>
-            <a:off x="8476762" y="2744623"/>
-            <a:ext cx="989979" cy="744649"/>
-          </a:xfrm>
-          <a:prstGeom prst="rect">
-            <a:avLst/>
-          </a:prstGeom>
-        </p:spPr>
-      </p:pic>
-      <p:pic>
-        <p:nvPicPr>
-          <p:cNvPr id="5" name="Picture 4"/>
-          <p:cNvPicPr>
-            <a:picLocks noChangeAspect="1"/>
-          </p:cNvPicPr>
-          <p:nvPr/>
-        </p:nvPicPr>
-        <p:blipFill>
-          <a:blip r:embed="rId4" cstate="print">
-            <a:extLst>
-              <a:ext uri="{28A0092B-C50C-407E-A947-70E740481C1C}">
-                <a14:useLocalDpi xmlns:a14="http://schemas.microsoft.com/office/drawing/2010/main" val="0"/>
-              </a:ext>
-            </a:extLst>
-          </a:blip>
-          <a:stretch>
-            <a:fillRect/>
-          </a:stretch>
-        </p:blipFill>
-        <p:spPr>
-          <a:xfrm>
-            <a:off x="2965316" y="4771010"/>
-            <a:ext cx="743346" cy="573692"/>
-          </a:xfrm>
-          <a:prstGeom prst="rect">
-            <a:avLst/>
-          </a:prstGeom>
-        </p:spPr>
-      </p:pic>
-      <p:pic>
-        <p:nvPicPr>
-          <p:cNvPr id="6" name="Picture 5"/>
-          <p:cNvPicPr>
-            <a:picLocks noChangeAspect="1"/>
-          </p:cNvPicPr>
-          <p:nvPr/>
-        </p:nvPicPr>
-        <p:blipFill>
-          <a:blip r:embed="rId5" cstate="print">
-            <a:extLst>
-              <a:ext uri="{28A0092B-C50C-407E-A947-70E740481C1C}">
-                <a14:useLocalDpi xmlns:a14="http://schemas.microsoft.com/office/drawing/2010/main" val="0"/>
-              </a:ext>
-            </a:extLst>
-          </a:blip>
-          <a:stretch>
-            <a:fillRect/>
-          </a:stretch>
-        </p:blipFill>
-        <p:spPr>
-          <a:xfrm>
-            <a:off x="8217127" y="3676615"/>
-            <a:ext cx="801696" cy="774703"/>
-          </a:xfrm>
-          <a:prstGeom prst="rect">
-            <a:avLst/>
-          </a:prstGeom>
-        </p:spPr>
-      </p:pic>
-      <p:pic>
-        <p:nvPicPr>
-          <p:cNvPr id="7" name="Picture 6"/>
-          <p:cNvPicPr>
-            <a:picLocks noChangeAspect="1"/>
-          </p:cNvPicPr>
-          <p:nvPr/>
-        </p:nvPicPr>
-        <p:blipFill>
-          <a:blip r:embed="rId6" cstate="print">
-            <a:extLst>
-              <a:ext uri="{28A0092B-C50C-407E-A947-70E740481C1C}">
-                <a14:useLocalDpi xmlns:a14="http://schemas.microsoft.com/office/drawing/2010/main" val="0"/>
-              </a:ext>
-            </a:extLst>
-          </a:blip>
-          <a:stretch>
-            <a:fillRect/>
-          </a:stretch>
-        </p:blipFill>
-        <p:spPr>
-          <a:xfrm>
-            <a:off x="2316108" y="3953603"/>
-            <a:ext cx="591321" cy="634476"/>
-          </a:xfrm>
-          <a:prstGeom prst="rect">
-            <a:avLst/>
-          </a:prstGeom>
-        </p:spPr>
-      </p:pic>
-      <p:pic>
-        <p:nvPicPr>
-          <p:cNvPr id="8" name="Picture 7"/>
-          <p:cNvPicPr>
-            <a:picLocks noChangeAspect="1"/>
-          </p:cNvPicPr>
-          <p:nvPr/>
-        </p:nvPicPr>
-        <p:blipFill>
-          <a:blip r:embed="rId7" cstate="print">
-            <a:extLst>
-              <a:ext uri="{28A0092B-C50C-407E-A947-70E740481C1C}">
-                <a14:useLocalDpi xmlns:a14="http://schemas.microsoft.com/office/drawing/2010/main" val="0"/>
-              </a:ext>
-            </a:extLst>
-          </a:blip>
-          <a:stretch>
-            <a:fillRect/>
-          </a:stretch>
-        </p:blipFill>
-        <p:spPr>
-          <a:xfrm>
-            <a:off x="1587702" y="2928050"/>
-            <a:ext cx="1144472" cy="748565"/>
-          </a:xfrm>
-          <a:prstGeom prst="rect">
-            <a:avLst/>
-          </a:prstGeom>
-        </p:spPr>
-      </p:pic>
-      <p:pic>
-        <p:nvPicPr>
-          <p:cNvPr id="3" name="Picture 2"/>
-          <p:cNvPicPr>
-            <a:picLocks noChangeAspect="1"/>
-          </p:cNvPicPr>
-          <p:nvPr/>
-        </p:nvPicPr>
-        <p:blipFill>
-          <a:blip r:embed="rId8" cstate="print">
-            <a:extLst>
-              <a:ext uri="{28A0092B-C50C-407E-A947-70E740481C1C}">
-                <a14:useLocalDpi xmlns:a14="http://schemas.microsoft.com/office/drawing/2010/main" val="0"/>
-              </a:ext>
-            </a:extLst>
-          </a:blip>
-          <a:stretch>
-            <a:fillRect/>
-          </a:stretch>
-        </p:blipFill>
-        <p:spPr>
-          <a:xfrm>
-            <a:off x="7340914" y="4688396"/>
-            <a:ext cx="1470000" cy="594135"/>
-          </a:xfrm>
-          <a:prstGeom prst="rect">
-            <a:avLst/>
-          </a:prstGeom>
-        </p:spPr>
-      </p:pic>
+            <a:ln>
+              <a:noFill/>
+            </a:ln>
+          </p:spPr>
+        </p:pic>
+        <p:pic>
+          <p:nvPicPr>
+            <p:cNvPr id="4" name="Picture 3"/>
+            <p:cNvPicPr>
+              <a:picLocks noChangeAspect="1"/>
+            </p:cNvPicPr>
+            <p:nvPr/>
+          </p:nvPicPr>
+          <p:blipFill>
+            <a:blip r:embed="rId3" cstate="print">
+              <a:extLst>
+                <a:ext uri="{28A0092B-C50C-407E-A947-70E740481C1C}">
+                  <a14:useLocalDpi xmlns:a14="http://schemas.microsoft.com/office/drawing/2010/main" val="0"/>
+                </a:ext>
+              </a:extLst>
+            </a:blip>
+            <a:stretch>
+              <a:fillRect/>
+            </a:stretch>
+          </p:blipFill>
+          <p:spPr>
+            <a:xfrm>
+              <a:off x="8476762" y="2744623"/>
+              <a:ext cx="989979" cy="744649"/>
+            </a:xfrm>
+            <a:prstGeom prst="rect">
+              <a:avLst/>
+            </a:prstGeom>
+          </p:spPr>
+        </p:pic>
+        <p:pic>
+          <p:nvPicPr>
+            <p:cNvPr id="5" name="Picture 4"/>
+            <p:cNvPicPr>
+              <a:picLocks noChangeAspect="1"/>
+            </p:cNvPicPr>
+            <p:nvPr/>
+          </p:nvPicPr>
+          <p:blipFill>
+            <a:blip r:embed="rId4" cstate="print">
+              <a:extLst>
+                <a:ext uri="{28A0092B-C50C-407E-A947-70E740481C1C}">
+                  <a14:useLocalDpi xmlns:a14="http://schemas.microsoft.com/office/drawing/2010/main" val="0"/>
+                </a:ext>
+              </a:extLst>
+            </a:blip>
+            <a:stretch>
+              <a:fillRect/>
+            </a:stretch>
+          </p:blipFill>
+          <p:spPr>
+            <a:xfrm>
+              <a:off x="2965316" y="4771010"/>
+              <a:ext cx="743346" cy="573692"/>
+            </a:xfrm>
+            <a:prstGeom prst="rect">
+              <a:avLst/>
+            </a:prstGeom>
+          </p:spPr>
+        </p:pic>
+        <p:pic>
+          <p:nvPicPr>
+            <p:cNvPr id="6" name="Picture 5"/>
+            <p:cNvPicPr>
+              <a:picLocks noChangeAspect="1"/>
+            </p:cNvPicPr>
+            <p:nvPr/>
+          </p:nvPicPr>
+          <p:blipFill>
+            <a:blip r:embed="rId5" cstate="print">
+              <a:extLst>
+                <a:ext uri="{28A0092B-C50C-407E-A947-70E740481C1C}">
+                  <a14:useLocalDpi xmlns:a14="http://schemas.microsoft.com/office/drawing/2010/main" val="0"/>
+                </a:ext>
+              </a:extLst>
+            </a:blip>
+            <a:stretch>
+              <a:fillRect/>
+            </a:stretch>
+          </p:blipFill>
+          <p:spPr>
+            <a:xfrm>
+              <a:off x="8217127" y="3676615"/>
+              <a:ext cx="801696" cy="774703"/>
+            </a:xfrm>
+            <a:prstGeom prst="rect">
+              <a:avLst/>
+            </a:prstGeom>
+          </p:spPr>
+        </p:pic>
+        <p:pic>
+          <p:nvPicPr>
+            <p:cNvPr id="7" name="Picture 6"/>
+            <p:cNvPicPr>
+              <a:picLocks noChangeAspect="1"/>
+            </p:cNvPicPr>
+            <p:nvPr/>
+          </p:nvPicPr>
+          <p:blipFill>
+            <a:blip r:embed="rId6" cstate="print">
+              <a:extLst>
+                <a:ext uri="{28A0092B-C50C-407E-A947-70E740481C1C}">
+                  <a14:useLocalDpi xmlns:a14="http://schemas.microsoft.com/office/drawing/2010/main" val="0"/>
+                </a:ext>
+              </a:extLst>
+            </a:blip>
+            <a:stretch>
+              <a:fillRect/>
+            </a:stretch>
+          </p:blipFill>
+          <p:spPr>
+            <a:xfrm>
+              <a:off x="2316108" y="3953603"/>
+              <a:ext cx="591321" cy="634476"/>
+            </a:xfrm>
+            <a:prstGeom prst="rect">
+              <a:avLst/>
+            </a:prstGeom>
+          </p:spPr>
+        </p:pic>
+        <p:pic>
+          <p:nvPicPr>
+            <p:cNvPr id="8" name="Picture 7"/>
+            <p:cNvPicPr>
+              <a:picLocks noChangeAspect="1"/>
+            </p:cNvPicPr>
+            <p:nvPr/>
+          </p:nvPicPr>
+          <p:blipFill>
+            <a:blip r:embed="rId7" cstate="print">
+              <a:extLst>
+                <a:ext uri="{28A0092B-C50C-407E-A947-70E740481C1C}">
+                  <a14:useLocalDpi xmlns:a14="http://schemas.microsoft.com/office/drawing/2010/main" val="0"/>
+                </a:ext>
+              </a:extLst>
+            </a:blip>
+            <a:stretch>
+              <a:fillRect/>
+            </a:stretch>
+          </p:blipFill>
+          <p:spPr>
+            <a:xfrm>
+              <a:off x="1587702" y="2928050"/>
+              <a:ext cx="1144472" cy="748565"/>
+            </a:xfrm>
+            <a:prstGeom prst="rect">
+              <a:avLst/>
+            </a:prstGeom>
+          </p:spPr>
+        </p:pic>
+        <p:pic>
+          <p:nvPicPr>
+            <p:cNvPr id="3" name="Picture 2"/>
+            <p:cNvPicPr>
+              <a:picLocks noChangeAspect="1"/>
+            </p:cNvPicPr>
+            <p:nvPr/>
+          </p:nvPicPr>
+          <p:blipFill>
+            <a:blip r:embed="rId8" cstate="print">
+              <a:extLst>
+                <a:ext uri="{28A0092B-C50C-407E-A947-70E740481C1C}">
+                  <a14:useLocalDpi xmlns:a14="http://schemas.microsoft.com/office/drawing/2010/main" val="0"/>
+                </a:ext>
+              </a:extLst>
+            </a:blip>
+            <a:stretch>
+              <a:fillRect/>
+            </a:stretch>
+          </p:blipFill>
+          <p:spPr>
+            <a:xfrm>
+              <a:off x="7340914" y="4688396"/>
+              <a:ext cx="1470000" cy="594135"/>
+            </a:xfrm>
+            <a:prstGeom prst="rect">
+              <a:avLst/>
+            </a:prstGeom>
+          </p:spPr>
+        </p:pic>
+      </p:grpSp>
     </p:spTree>
     <p:extLst>
       <p:ext uri="{BB962C8B-B14F-4D97-AF65-F5344CB8AC3E}">
